--- a/SpaceInvaders.pptx
+++ b/SpaceInvaders.pptx
@@ -13,6 +13,8 @@
     <p:sldId id="261" r:id="rId7"/>
     <p:sldId id="262" r:id="rId8"/>
     <p:sldId id="263" r:id="rId9"/>
+    <p:sldId id="264" r:id="rId10"/>
+    <p:sldId id="265" r:id="rId11"/>
   </p:sldIdLst>
   <p:sldSz cx="12192000" cy="6858000"/>
   <p:notesSz cx="6858000" cy="9144000"/>
@@ -250,7 +252,7 @@
           <a:p>
             <a:fld id="{524947E6-9BE3-0048-9074-1F3589D4852D}" type="datetimeFigureOut">
               <a:rPr lang="en-US" smtClean="0"/>
-              <a:t>5/17/17</a:t>
+              <a:t>5/18/17</a:t>
             </a:fld>
             <a:endParaRPr lang="en-US"/>
           </a:p>
@@ -420,7 +422,7 @@
           <a:p>
             <a:fld id="{524947E6-9BE3-0048-9074-1F3589D4852D}" type="datetimeFigureOut">
               <a:rPr lang="en-US" smtClean="0"/>
-              <a:t>5/17/17</a:t>
+              <a:t>5/18/17</a:t>
             </a:fld>
             <a:endParaRPr lang="en-US"/>
           </a:p>
@@ -600,7 +602,7 @@
           <a:p>
             <a:fld id="{524947E6-9BE3-0048-9074-1F3589D4852D}" type="datetimeFigureOut">
               <a:rPr lang="en-US" smtClean="0"/>
-              <a:t>5/17/17</a:t>
+              <a:t>5/18/17</a:t>
             </a:fld>
             <a:endParaRPr lang="en-US"/>
           </a:p>
@@ -770,7 +772,7 @@
           <a:p>
             <a:fld id="{524947E6-9BE3-0048-9074-1F3589D4852D}" type="datetimeFigureOut">
               <a:rPr lang="en-US" smtClean="0"/>
-              <a:t>5/17/17</a:t>
+              <a:t>5/18/17</a:t>
             </a:fld>
             <a:endParaRPr lang="en-US"/>
           </a:p>
@@ -1016,7 +1018,7 @@
           <a:p>
             <a:fld id="{524947E6-9BE3-0048-9074-1F3589D4852D}" type="datetimeFigureOut">
               <a:rPr lang="en-US" smtClean="0"/>
-              <a:t>5/17/17</a:t>
+              <a:t>5/18/17</a:t>
             </a:fld>
             <a:endParaRPr lang="en-US"/>
           </a:p>
@@ -1248,7 +1250,7 @@
           <a:p>
             <a:fld id="{524947E6-9BE3-0048-9074-1F3589D4852D}" type="datetimeFigureOut">
               <a:rPr lang="en-US" smtClean="0"/>
-              <a:t>5/17/17</a:t>
+              <a:t>5/18/17</a:t>
             </a:fld>
             <a:endParaRPr lang="en-US"/>
           </a:p>
@@ -1615,7 +1617,7 @@
           <a:p>
             <a:fld id="{524947E6-9BE3-0048-9074-1F3589D4852D}" type="datetimeFigureOut">
               <a:rPr lang="en-US" smtClean="0"/>
-              <a:t>5/17/17</a:t>
+              <a:t>5/18/17</a:t>
             </a:fld>
             <a:endParaRPr lang="en-US"/>
           </a:p>
@@ -1733,7 +1735,7 @@
           <a:p>
             <a:fld id="{524947E6-9BE3-0048-9074-1F3589D4852D}" type="datetimeFigureOut">
               <a:rPr lang="en-US" smtClean="0"/>
-              <a:t>5/17/17</a:t>
+              <a:t>5/18/17</a:t>
             </a:fld>
             <a:endParaRPr lang="en-US"/>
           </a:p>
@@ -1828,7 +1830,7 @@
           <a:p>
             <a:fld id="{524947E6-9BE3-0048-9074-1F3589D4852D}" type="datetimeFigureOut">
               <a:rPr lang="en-US" smtClean="0"/>
-              <a:t>5/17/17</a:t>
+              <a:t>5/18/17</a:t>
             </a:fld>
             <a:endParaRPr lang="en-US"/>
           </a:p>
@@ -2105,7 +2107,7 @@
           <a:p>
             <a:fld id="{524947E6-9BE3-0048-9074-1F3589D4852D}" type="datetimeFigureOut">
               <a:rPr lang="en-US" smtClean="0"/>
-              <a:t>5/17/17</a:t>
+              <a:t>5/18/17</a:t>
             </a:fld>
             <a:endParaRPr lang="en-US"/>
           </a:p>
@@ -2358,7 +2360,7 @@
           <a:p>
             <a:fld id="{524947E6-9BE3-0048-9074-1F3589D4852D}" type="datetimeFigureOut">
               <a:rPr lang="en-US" smtClean="0"/>
-              <a:t>5/17/17</a:t>
+              <a:t>5/18/17</a:t>
             </a:fld>
             <a:endParaRPr lang="en-US"/>
           </a:p>
@@ -2571,7 +2573,7 @@
           <a:p>
             <a:fld id="{524947E6-9BE3-0048-9074-1F3589D4852D}" type="datetimeFigureOut">
               <a:rPr lang="en-US" smtClean="0"/>
-              <a:t>5/17/17</a:t>
+              <a:t>5/18/17</a:t>
             </a:fld>
             <a:endParaRPr lang="en-US"/>
           </a:p>
@@ -4728,6 +4730,158 @@
     <p:extLst>
       <p:ext uri="{BB962C8B-B14F-4D97-AF65-F5344CB8AC3E}">
         <p14:creationId xmlns:p14="http://schemas.microsoft.com/office/powerpoint/2010/main" val="15005446"/>
+      </p:ext>
+    </p:extLst>
+  </p:cSld>
+  <p:clrMapOvr>
+    <a:masterClrMapping/>
+  </p:clrMapOvr>
+</p:sld>
+</file>
+
+<file path=ppt/slides/slide10.xml><?xml version="1.0" encoding="utf-8"?>
+<p:sld xmlns:a="http://schemas.openxmlformats.org/drawingml/2006/main" xmlns:r="http://schemas.openxmlformats.org/officeDocument/2006/relationships" xmlns:p="http://schemas.openxmlformats.org/presentationml/2006/main">
+  <p:cSld>
+    <p:spTree>
+      <p:nvGrpSpPr>
+        <p:cNvPr id="1" name=""/>
+        <p:cNvGrpSpPr/>
+        <p:nvPr/>
+      </p:nvGrpSpPr>
+      <p:grpSpPr>
+        <a:xfrm>
+          <a:off x="0" y="0"/>
+          <a:ext cx="0" cy="0"/>
+          <a:chOff x="0" y="0"/>
+          <a:chExt cx="0" cy="0"/>
+        </a:xfrm>
+      </p:grpSpPr>
+      <p:sp>
+        <p:nvSpPr>
+          <p:cNvPr id="2" name="Rectangle 1"/>
+          <p:cNvSpPr/>
+          <p:nvPr/>
+        </p:nvSpPr>
+        <p:spPr>
+          <a:xfrm>
+            <a:off x="2442575" y="2254685"/>
+            <a:ext cx="1828800" cy="2229633"/>
+          </a:xfrm>
+          <a:prstGeom prst="rect">
+            <a:avLst/>
+          </a:prstGeom>
+          <a:solidFill>
+            <a:schemeClr val="bg1">
+              <a:lumMod val="75000"/>
+            </a:schemeClr>
+          </a:solidFill>
+          <a:ln>
+            <a:noFill/>
+          </a:ln>
+        </p:spPr>
+        <p:style>
+          <a:lnRef idx="2">
+            <a:schemeClr val="accent1">
+              <a:shade val="50000"/>
+            </a:schemeClr>
+          </a:lnRef>
+          <a:fillRef idx="1">
+            <a:schemeClr val="accent1"/>
+          </a:fillRef>
+          <a:effectRef idx="0">
+            <a:schemeClr val="accent1"/>
+          </a:effectRef>
+          <a:fontRef idx="minor">
+            <a:schemeClr val="lt1"/>
+          </a:fontRef>
+        </p:style>
+        <p:txBody>
+          <a:bodyPr rtlCol="0" anchor="ctr"/>
+          <a:lstStyle/>
+          <a:p>
+            <a:pPr algn="ctr"/>
+            <a:endParaRPr lang="en-US"/>
+          </a:p>
+        </p:txBody>
+      </p:sp>
+      <p:sp>
+        <p:nvSpPr>
+          <p:cNvPr id="3" name="Triangle 2"/>
+          <p:cNvSpPr/>
+          <p:nvPr/>
+        </p:nvSpPr>
+        <p:spPr>
+          <a:xfrm>
+            <a:off x="2447118" y="688932"/>
+            <a:ext cx="1828800" cy="1565753"/>
+          </a:xfrm>
+          <a:prstGeom prst="triangle">
+            <a:avLst/>
+          </a:prstGeom>
+          <a:solidFill>
+            <a:schemeClr val="bg1">
+              <a:lumMod val="75000"/>
+            </a:schemeClr>
+          </a:solidFill>
+          <a:ln>
+            <a:noFill/>
+          </a:ln>
+        </p:spPr>
+        <p:style>
+          <a:lnRef idx="2">
+            <a:schemeClr val="accent1">
+              <a:shade val="50000"/>
+            </a:schemeClr>
+          </a:lnRef>
+          <a:fillRef idx="1">
+            <a:schemeClr val="accent1"/>
+          </a:fillRef>
+          <a:effectRef idx="0">
+            <a:schemeClr val="accent1"/>
+          </a:effectRef>
+          <a:fontRef idx="minor">
+            <a:schemeClr val="lt1"/>
+          </a:fontRef>
+        </p:style>
+        <p:txBody>
+          <a:bodyPr rtlCol="0" anchor="ctr"/>
+          <a:lstStyle/>
+          <a:p>
+            <a:pPr algn="ctr"/>
+            <a:endParaRPr lang="en-US"/>
+          </a:p>
+        </p:txBody>
+      </p:sp>
+      <p:sp>
+        <p:nvSpPr>
+          <p:cNvPr id="4" name="TextBox 3"/>
+          <p:cNvSpPr txBox="1"/>
+          <p:nvPr/>
+        </p:nvSpPr>
+        <p:spPr>
+          <a:xfrm>
+            <a:off x="4607859" y="4697506"/>
+            <a:ext cx="184731" cy="369332"/>
+          </a:xfrm>
+          <a:prstGeom prst="rect">
+            <a:avLst/>
+          </a:prstGeom>
+          <a:noFill/>
+        </p:spPr>
+        <p:txBody>
+          <a:bodyPr wrap="none" rtlCol="0">
+            <a:spAutoFit/>
+          </a:bodyPr>
+          <a:lstStyle/>
+          <a:p>
+            <a:endParaRPr lang="en-US" dirty="0"/>
+          </a:p>
+        </p:txBody>
+      </p:sp>
+    </p:spTree>
+    <p:extLst>
+      <p:ext uri="{BB962C8B-B14F-4D97-AF65-F5344CB8AC3E}">
+        <p14:creationId xmlns:p14="http://schemas.microsoft.com/office/powerpoint/2010/main" val="2063140491"/>
       </p:ext>
     </p:extLst>
   </p:cSld>
@@ -5904,6 +6058,162 @@
     <p:extLst>
       <p:ext uri="{BB962C8B-B14F-4D97-AF65-F5344CB8AC3E}">
         <p14:creationId xmlns:p14="http://schemas.microsoft.com/office/powerpoint/2010/main" val="643590441"/>
+      </p:ext>
+    </p:extLst>
+  </p:cSld>
+  <p:clrMapOvr>
+    <a:masterClrMapping/>
+  </p:clrMapOvr>
+</p:sld>
+</file>
+
+<file path=ppt/slides/slide9.xml><?xml version="1.0" encoding="utf-8"?>
+<p:sld xmlns:a="http://schemas.openxmlformats.org/drawingml/2006/main" xmlns:r="http://schemas.openxmlformats.org/officeDocument/2006/relationships" xmlns:p="http://schemas.openxmlformats.org/presentationml/2006/main">
+  <p:cSld>
+    <p:spTree>
+      <p:nvGrpSpPr>
+        <p:cNvPr id="1" name=""/>
+        <p:cNvGrpSpPr/>
+        <p:nvPr/>
+      </p:nvGrpSpPr>
+      <p:grpSpPr>
+        <a:xfrm>
+          <a:off x="0" y="0"/>
+          <a:ext cx="0" cy="0"/>
+          <a:chOff x="0" y="0"/>
+          <a:chExt cx="0" cy="0"/>
+        </a:xfrm>
+      </p:grpSpPr>
+      <p:sp>
+        <p:nvSpPr>
+          <p:cNvPr id="2" name="Rectangle 1"/>
+          <p:cNvSpPr/>
+          <p:nvPr/>
+        </p:nvSpPr>
+        <p:spPr>
+          <a:xfrm>
+            <a:off x="2442575" y="2254685"/>
+            <a:ext cx="1828800" cy="2229633"/>
+          </a:xfrm>
+          <a:prstGeom prst="rect">
+            <a:avLst/>
+          </a:prstGeom>
+          <a:solidFill>
+            <a:schemeClr val="bg1">
+              <a:lumMod val="75000"/>
+            </a:schemeClr>
+          </a:solidFill>
+          <a:ln>
+            <a:noFill/>
+          </a:ln>
+        </p:spPr>
+        <p:style>
+          <a:lnRef idx="2">
+            <a:schemeClr val="accent1">
+              <a:shade val="50000"/>
+            </a:schemeClr>
+          </a:lnRef>
+          <a:fillRef idx="1">
+            <a:schemeClr val="accent1"/>
+          </a:fillRef>
+          <a:effectRef idx="0">
+            <a:schemeClr val="accent1"/>
+          </a:effectRef>
+          <a:fontRef idx="minor">
+            <a:schemeClr val="lt1"/>
+          </a:fontRef>
+        </p:style>
+        <p:txBody>
+          <a:bodyPr rtlCol="0" anchor="ctr"/>
+          <a:lstStyle/>
+          <a:p>
+            <a:pPr algn="ctr"/>
+            <a:endParaRPr lang="en-US"/>
+          </a:p>
+        </p:txBody>
+      </p:sp>
+      <p:sp>
+        <p:nvSpPr>
+          <p:cNvPr id="3" name="Triangle 2"/>
+          <p:cNvSpPr/>
+          <p:nvPr/>
+        </p:nvSpPr>
+        <p:spPr>
+          <a:xfrm>
+            <a:off x="2447118" y="688932"/>
+            <a:ext cx="1828800" cy="1565753"/>
+          </a:xfrm>
+          <a:prstGeom prst="triangle">
+            <a:avLst/>
+          </a:prstGeom>
+          <a:solidFill>
+            <a:schemeClr val="bg1">
+              <a:lumMod val="75000"/>
+            </a:schemeClr>
+          </a:solidFill>
+          <a:ln>
+            <a:noFill/>
+          </a:ln>
+        </p:spPr>
+        <p:style>
+          <a:lnRef idx="2">
+            <a:schemeClr val="accent1">
+              <a:shade val="50000"/>
+            </a:schemeClr>
+          </a:lnRef>
+          <a:fillRef idx="1">
+            <a:schemeClr val="accent1"/>
+          </a:fillRef>
+          <a:effectRef idx="0">
+            <a:schemeClr val="accent1"/>
+          </a:effectRef>
+          <a:fontRef idx="minor">
+            <a:schemeClr val="lt1"/>
+          </a:fontRef>
+        </p:style>
+        <p:txBody>
+          <a:bodyPr rtlCol="0" anchor="ctr"/>
+          <a:lstStyle/>
+          <a:p>
+            <a:pPr algn="ctr"/>
+            <a:endParaRPr lang="en-US"/>
+          </a:p>
+        </p:txBody>
+      </p:sp>
+      <p:pic>
+        <p:nvPicPr>
+          <p:cNvPr id="5" name="Picture 4"/>
+          <p:cNvPicPr>
+            <a:picLocks noChangeAspect="1"/>
+          </p:cNvPicPr>
+          <p:nvPr/>
+        </p:nvPicPr>
+        <p:blipFill>
+          <a:blip r:embed="rId2" cstate="screen">
+            <a:extLst>
+              <a:ext uri="{28A0092B-C50C-407E-A947-70E740481C1C}">
+                <a14:useLocalDpi xmlns:a14="http://schemas.microsoft.com/office/drawing/2010/main"/>
+              </a:ext>
+            </a:extLst>
+          </a:blip>
+          <a:stretch>
+            <a:fillRect/>
+          </a:stretch>
+        </p:blipFill>
+        <p:spPr>
+          <a:xfrm>
+            <a:off x="5181600" y="1524000"/>
+            <a:ext cx="91440" cy="189890"/>
+          </a:xfrm>
+          <a:prstGeom prst="rect">
+            <a:avLst/>
+          </a:prstGeom>
+        </p:spPr>
+      </p:pic>
+    </p:spTree>
+    <p:extLst>
+      <p:ext uri="{BB962C8B-B14F-4D97-AF65-F5344CB8AC3E}">
+        <p14:creationId xmlns:p14="http://schemas.microsoft.com/office/powerpoint/2010/main" val="9217963"/>
       </p:ext>
     </p:extLst>
   </p:cSld>
